--- a/Figures/Other figures/NMF.pptx
+++ b/Figures/Other figures/NMF.pptx
@@ -104,6 +104,11 @@
       </a:defRPr>
     </a:lvl9pPr>
   </p:defaultTextStyle>
+  <p:extLst>
+    <p:ext uri="{EFAFB233-063F-42B5-8137-9DF3F51BA10A}">
+      <p15:sldGuideLst xmlns:p15="http://schemas.microsoft.com/office/powerpoint/2012/main"/>
+    </p:ext>
+  </p:extLst>
 </p:presentation>
 </file>
 
@@ -238,7 +243,7 @@
           <a:p>
             <a:fld id="{66103E98-AD48-442A-B520-25A9C16A2D04}" type="datetimeFigureOut">
               <a:rPr lang="en-US" smtClean="0"/>
-              <a:t>8/15/2018</a:t>
+              <a:t>9/3/2018</a:t>
             </a:fld>
             <a:endParaRPr lang="en-US"/>
           </a:p>
@@ -408,7 +413,7 @@
           <a:p>
             <a:fld id="{66103E98-AD48-442A-B520-25A9C16A2D04}" type="datetimeFigureOut">
               <a:rPr lang="en-US" smtClean="0"/>
-              <a:t>8/15/2018</a:t>
+              <a:t>9/3/2018</a:t>
             </a:fld>
             <a:endParaRPr lang="en-US"/>
           </a:p>
@@ -588,7 +593,7 @@
           <a:p>
             <a:fld id="{66103E98-AD48-442A-B520-25A9C16A2D04}" type="datetimeFigureOut">
               <a:rPr lang="en-US" smtClean="0"/>
-              <a:t>8/15/2018</a:t>
+              <a:t>9/3/2018</a:t>
             </a:fld>
             <a:endParaRPr lang="en-US"/>
           </a:p>
@@ -758,7 +763,7 @@
           <a:p>
             <a:fld id="{66103E98-AD48-442A-B520-25A9C16A2D04}" type="datetimeFigureOut">
               <a:rPr lang="en-US" smtClean="0"/>
-              <a:t>8/15/2018</a:t>
+              <a:t>9/3/2018</a:t>
             </a:fld>
             <a:endParaRPr lang="en-US"/>
           </a:p>
@@ -1002,7 +1007,7 @@
           <a:p>
             <a:fld id="{66103E98-AD48-442A-B520-25A9C16A2D04}" type="datetimeFigureOut">
               <a:rPr lang="en-US" smtClean="0"/>
-              <a:t>8/15/2018</a:t>
+              <a:t>9/3/2018</a:t>
             </a:fld>
             <a:endParaRPr lang="en-US"/>
           </a:p>
@@ -1234,7 +1239,7 @@
           <a:p>
             <a:fld id="{66103E98-AD48-442A-B520-25A9C16A2D04}" type="datetimeFigureOut">
               <a:rPr lang="en-US" smtClean="0"/>
-              <a:t>8/15/2018</a:t>
+              <a:t>9/3/2018</a:t>
             </a:fld>
             <a:endParaRPr lang="en-US"/>
           </a:p>
@@ -1601,7 +1606,7 @@
           <a:p>
             <a:fld id="{66103E98-AD48-442A-B520-25A9C16A2D04}" type="datetimeFigureOut">
               <a:rPr lang="en-US" smtClean="0"/>
-              <a:t>8/15/2018</a:t>
+              <a:t>9/3/2018</a:t>
             </a:fld>
             <a:endParaRPr lang="en-US"/>
           </a:p>
@@ -1719,7 +1724,7 @@
           <a:p>
             <a:fld id="{66103E98-AD48-442A-B520-25A9C16A2D04}" type="datetimeFigureOut">
               <a:rPr lang="en-US" smtClean="0"/>
-              <a:t>8/15/2018</a:t>
+              <a:t>9/3/2018</a:t>
             </a:fld>
             <a:endParaRPr lang="en-US"/>
           </a:p>
@@ -1814,7 +1819,7 @@
           <a:p>
             <a:fld id="{66103E98-AD48-442A-B520-25A9C16A2D04}" type="datetimeFigureOut">
               <a:rPr lang="en-US" smtClean="0"/>
-              <a:t>8/15/2018</a:t>
+              <a:t>9/3/2018</a:t>
             </a:fld>
             <a:endParaRPr lang="en-US"/>
           </a:p>
@@ -2091,7 +2096,7 @@
           <a:p>
             <a:fld id="{66103E98-AD48-442A-B520-25A9C16A2D04}" type="datetimeFigureOut">
               <a:rPr lang="en-US" smtClean="0"/>
-              <a:t>8/15/2018</a:t>
+              <a:t>9/3/2018</a:t>
             </a:fld>
             <a:endParaRPr lang="en-US"/>
           </a:p>
@@ -2348,7 +2353,7 @@
           <a:p>
             <a:fld id="{66103E98-AD48-442A-B520-25A9C16A2D04}" type="datetimeFigureOut">
               <a:rPr lang="en-US" smtClean="0"/>
-              <a:t>8/15/2018</a:t>
+              <a:t>9/3/2018</a:t>
             </a:fld>
             <a:endParaRPr lang="en-US"/>
           </a:p>
@@ -2561,7 +2566,7 @@
           <a:p>
             <a:fld id="{66103E98-AD48-442A-B520-25A9C16A2D04}" type="datetimeFigureOut">
               <a:rPr lang="en-US" smtClean="0"/>
-              <a:t>8/15/2018</a:t>
+              <a:t>9/3/2018</a:t>
             </a:fld>
             <a:endParaRPr lang="en-US"/>
           </a:p>
@@ -2977,14 +2982,14 @@
               <p:nvPr>
                 <p:extLst>
                   <p:ext uri="{D42A27DB-BD31-4B8C-83A1-F6EECF244321}">
-                    <p14:modId xmlns:p14="http://schemas.microsoft.com/office/powerpoint/2010/main" val="2731741458"/>
+                    <p14:modId xmlns:p14="http://schemas.microsoft.com/office/powerpoint/2010/main" val="3708576171"/>
                   </p:ext>
                 </p:extLst>
               </p:nvPr>
             </p:nvGraphicFramePr>
             <p:xfrm>
-              <a:off x="777051" y="910509"/>
-              <a:ext cx="2928825" cy="1127316"/>
+              <a:off x="919104" y="1661588"/>
+              <a:ext cx="2928825" cy="1116267"/>
             </p:xfrm>
             <a:graphic>
               <a:graphicData uri="http://schemas.openxmlformats.org/drawingml/2006/table">
@@ -3035,6 +3040,7 @@
                         <a:bodyPr/>
                         <a:lstStyle/>
                         <a:p>
+                          <a:pPr/>
                           <a14:m>
                             <m:oMathPara xmlns:m="http://schemas.openxmlformats.org/officeDocument/2006/math">
                               <m:oMathParaPr>
@@ -3045,14 +3051,14 @@
                                   <m:sSubSupPr>
                                     <m:ctrlPr>
                                       <a:rPr lang="en-US" i="1" baseline="0" smtClean="0">
-                                        <a:latin typeface="+mj-lt"/>
+                                        <a:latin typeface="Cambria Math" panose="02040503050406030204" pitchFamily="18" charset="0"/>
                                       </a:rPr>
                                     </m:ctrlPr>
                                   </m:sSubSupPr>
                                   <m:e>
                                     <m:r>
                                       <a:rPr lang="en-US" b="0" i="1" baseline="0" smtClean="0">
-                                        <a:latin typeface="+mj-lt"/>
+                                        <a:latin typeface="Cambria Math" panose="02040503050406030204" pitchFamily="18" charset="0"/>
                                       </a:rPr>
                                       <m:t>𝑚</m:t>
                                     </m:r>
@@ -3060,7 +3066,7 @@
                                   <m:sub>
                                     <m:r>
                                       <a:rPr lang="en-US" b="0" i="1" baseline="0" smtClean="0">
-                                        <a:latin typeface="+mj-lt"/>
+                                        <a:latin typeface="Cambria Math" panose="02040503050406030204" pitchFamily="18" charset="0"/>
                                       </a:rPr>
                                       <m:t>1</m:t>
                                     </m:r>
@@ -3068,7 +3074,7 @@
                                   <m:sup>
                                     <m:r>
                                       <a:rPr lang="en-US" b="0" i="1" baseline="0" smtClean="0">
-                                        <a:latin typeface="+mj-lt"/>
+                                        <a:latin typeface="Cambria Math" panose="02040503050406030204" pitchFamily="18" charset="0"/>
                                       </a:rPr>
                                       <m:t>1</m:t>
                                     </m:r>
@@ -3089,6 +3095,7 @@
                         <a:bodyPr/>
                         <a:lstStyle/>
                         <a:p>
+                          <a:pPr/>
                           <a14:m>
                             <m:oMathPara xmlns:m="http://schemas.openxmlformats.org/officeDocument/2006/math">
                               <m:oMathParaPr>
@@ -3109,7 +3116,7 @@
                                         <a:solidFill>
                                           <a:schemeClr val="tx1"/>
                                         </a:solidFill>
-                                        <a:latin typeface="+mn-lt"/>
+                                        <a:latin typeface="Cambria Math" panose="02040503050406030204" pitchFamily="18" charset="0"/>
                                         <a:ea typeface="+mn-ea"/>
                                         <a:cs typeface="+mn-cs"/>
                                       </a:rPr>
@@ -3167,6 +3174,7 @@
                         <a:bodyPr/>
                         <a:lstStyle/>
                         <a:p>
+                          <a:pPr/>
                           <a14:m>
                             <m:oMathPara xmlns:m="http://schemas.openxmlformats.org/officeDocument/2006/math">
                               <m:oMathParaPr>
@@ -3187,7 +3195,7 @@
                                         <a:solidFill>
                                           <a:schemeClr val="tx1"/>
                                         </a:solidFill>
-                                        <a:latin typeface="+mn-lt"/>
+                                        <a:latin typeface="Cambria Math" panose="02040503050406030204" pitchFamily="18" charset="0"/>
                                         <a:ea typeface="+mn-ea"/>
                                         <a:cs typeface="+mn-cs"/>
                                       </a:rPr>
@@ -3232,6 +3240,7 @@
                         <a:bodyPr/>
                         <a:lstStyle/>
                         <a:p>
+                          <a:pPr/>
                           <a14:m>
                             <m:oMathPara xmlns:m="http://schemas.openxmlformats.org/officeDocument/2006/math">
                               <m:oMathParaPr>
@@ -3252,7 +3261,7 @@
                                         <a:solidFill>
                                           <a:schemeClr val="tx1"/>
                                         </a:solidFill>
-                                        <a:latin typeface="+mn-lt"/>
+                                        <a:latin typeface="Cambria Math" panose="02040503050406030204" pitchFamily="18" charset="0"/>
                                         <a:ea typeface="+mn-ea"/>
                                         <a:cs typeface="+mn-cs"/>
                                       </a:rPr>
@@ -3365,6 +3374,7 @@
                         <a:bodyPr/>
                         <a:lstStyle/>
                         <a:p>
+                          <a:pPr/>
                           <a14:m>
                             <m:oMathPara xmlns:m="http://schemas.openxmlformats.org/officeDocument/2006/math">
                               <m:oMathParaPr>
@@ -3385,7 +3395,7 @@
                                         <a:solidFill>
                                           <a:schemeClr val="tx1"/>
                                         </a:solidFill>
-                                        <a:latin typeface="+mn-lt"/>
+                                        <a:latin typeface="Cambria Math" panose="02040503050406030204" pitchFamily="18" charset="0"/>
                                         <a:ea typeface="+mn-ea"/>
                                         <a:cs typeface="+mn-cs"/>
                                       </a:rPr>
@@ -3424,6 +3434,7 @@
                         <a:bodyPr/>
                         <a:lstStyle/>
                         <a:p>
+                          <a:pPr/>
                           <a14:m>
                             <m:oMathPara xmlns:m="http://schemas.openxmlformats.org/officeDocument/2006/math">
                               <m:oMathParaPr>
@@ -3444,7 +3455,7 @@
                                         <a:solidFill>
                                           <a:schemeClr val="tx1"/>
                                         </a:solidFill>
-                                        <a:latin typeface="+mn-lt"/>
+                                        <a:latin typeface="Cambria Math" panose="02040503050406030204" pitchFamily="18" charset="0"/>
                                         <a:ea typeface="+mn-ea"/>
                                         <a:cs typeface="+mn-cs"/>
                                       </a:rPr>
@@ -3502,6 +3513,7 @@
                         <a:bodyPr/>
                         <a:lstStyle/>
                         <a:p>
+                          <a:pPr/>
                           <a14:m>
                             <m:oMathPara xmlns:m="http://schemas.openxmlformats.org/officeDocument/2006/math">
                               <m:oMathParaPr>
@@ -3522,7 +3534,7 @@
                                         <a:solidFill>
                                           <a:schemeClr val="tx1"/>
                                         </a:solidFill>
-                                        <a:latin typeface="+mn-lt"/>
+                                        <a:latin typeface="Cambria Math" panose="02040503050406030204" pitchFamily="18" charset="0"/>
                                         <a:ea typeface="+mn-ea"/>
                                         <a:cs typeface="+mn-cs"/>
                                       </a:rPr>
@@ -3567,6 +3579,7 @@
                         <a:bodyPr/>
                         <a:lstStyle/>
                         <a:p>
+                          <a:pPr/>
                           <a14:m>
                             <m:oMathPara xmlns:m="http://schemas.openxmlformats.org/officeDocument/2006/math">
                               <m:oMathParaPr>
@@ -3587,7 +3600,7 @@
                                         <a:solidFill>
                                           <a:schemeClr val="tx1"/>
                                         </a:solidFill>
-                                        <a:latin typeface="+mn-lt"/>
+                                        <a:latin typeface="Cambria Math" panose="02040503050406030204" pitchFamily="18" charset="0"/>
                                         <a:ea typeface="+mn-ea"/>
                                         <a:cs typeface="+mn-cs"/>
                                       </a:rPr>
@@ -3642,14 +3655,14 @@
               <p:nvPr>
                 <p:extLst>
                   <p:ext uri="{D42A27DB-BD31-4B8C-83A1-F6EECF244321}">
-                    <p14:modId xmlns:p14="http://schemas.microsoft.com/office/powerpoint/2010/main" val="2731741458"/>
+                    <p14:modId xmlns:p14="http://schemas.microsoft.com/office/powerpoint/2010/main" val="3708576171"/>
                   </p:ext>
                 </p:extLst>
               </p:nvPr>
             </p:nvGraphicFramePr>
             <p:xfrm>
-              <a:off x="777051" y="910509"/>
-              <a:ext cx="2928825" cy="1127316"/>
+              <a:off x="919104" y="1661588"/>
+              <a:ext cx="2928825" cy="1116267"/>
             </p:xfrm>
             <a:graphic>
               <a:graphicData uri="http://schemas.openxmlformats.org/drawingml/2006/table">
@@ -3694,7 +3707,7 @@
                       </a:extLst>
                     </a:gridCol>
                   </a:tblGrid>
-                  <a:tr h="383413">
+                  <a:tr h="372364">
                     <a:tc>
                       <a:txBody>
                         <a:bodyPr/>
@@ -3707,7 +3720,7 @@
                         <a:blipFill>
                           <a:blip r:embed="rId2"/>
                           <a:stretch>
-                            <a:fillRect t="-7937" r="-401042" b="-217460"/>
+                            <a:fillRect t="-8197" r="-402083" b="-224590"/>
                           </a:stretch>
                         </a:blipFill>
                       </a:tcPr>
@@ -3724,7 +3737,7 @@
                         <a:blipFill>
                           <a:blip r:embed="rId2"/>
                           <a:stretch>
-                            <a:fillRect l="-100000" t="-7937" r="-301042" b="-217460"/>
+                            <a:fillRect l="-98969" t="-8197" r="-297938" b="-224590"/>
                           </a:stretch>
                         </a:blipFill>
                       </a:tcPr>
@@ -3760,7 +3773,7 @@
                         <a:blipFill>
                           <a:blip r:embed="rId2"/>
                           <a:stretch>
-                            <a:fillRect l="-301042" t="-7937" r="-100000" b="-217460"/>
+                            <a:fillRect l="-297938" t="-8197" r="-98969" b="-224590"/>
                           </a:stretch>
                         </a:blipFill>
                       </a:tcPr>
@@ -3777,7 +3790,7 @@
                         <a:blipFill>
                           <a:blip r:embed="rId2"/>
                           <a:stretch>
-                            <a:fillRect l="-401042" t="-7937" b="-217460"/>
+                            <a:fillRect l="-402083" t="-8197" b="-224590"/>
                           </a:stretch>
                         </a:blipFill>
                       </a:tcPr>
@@ -3868,7 +3881,7 @@
                         <a:blipFill>
                           <a:blip r:embed="rId2"/>
                           <a:stretch>
-                            <a:fillRect t="-208065" r="-401042" b="-22581"/>
+                            <a:fillRect t="-209836" r="-402083" b="-22951"/>
                           </a:stretch>
                         </a:blipFill>
                       </a:tcPr>
@@ -3885,7 +3898,7 @@
                         <a:blipFill>
                           <a:blip r:embed="rId2"/>
                           <a:stretch>
-                            <a:fillRect l="-100000" t="-208065" r="-301042" b="-22581"/>
+                            <a:fillRect l="-98969" t="-209836" r="-297938" b="-22951"/>
                           </a:stretch>
                         </a:blipFill>
                       </a:tcPr>
@@ -3921,7 +3934,7 @@
                         <a:blipFill>
                           <a:blip r:embed="rId2"/>
                           <a:stretch>
-                            <a:fillRect l="-301042" t="-208065" r="-100000" b="-22581"/>
+                            <a:fillRect l="-297938" t="-209836" r="-98969" b="-22951"/>
                           </a:stretch>
                         </a:blipFill>
                       </a:tcPr>
@@ -3938,7 +3951,7 @@
                         <a:blipFill>
                           <a:blip r:embed="rId2"/>
                           <a:stretch>
-                            <a:fillRect l="-401042" t="-208065" b="-22581"/>
+                            <a:fillRect l="-402083" t="-209836" b="-22951"/>
                           </a:stretch>
                         </a:blipFill>
                       </a:tcPr>
@@ -3963,7 +3976,7 @@
         </p:nvGrpSpPr>
         <p:grpSpPr>
           <a:xfrm>
-            <a:off x="797157" y="890107"/>
+            <a:off x="939210" y="1641186"/>
             <a:ext cx="2882399" cy="1157233"/>
             <a:chOff x="1517782" y="1376597"/>
             <a:chExt cx="2689548" cy="1157233"/>
@@ -4341,14 +4354,14 @@
               <p:nvPr>
                 <p:extLst>
                   <p:ext uri="{D42A27DB-BD31-4B8C-83A1-F6EECF244321}">
-                    <p14:modId xmlns:p14="http://schemas.microsoft.com/office/powerpoint/2010/main" val="3935231551"/>
+                    <p14:modId xmlns:p14="http://schemas.microsoft.com/office/powerpoint/2010/main" val="738666353"/>
                   </p:ext>
                 </p:extLst>
               </p:nvPr>
             </p:nvGraphicFramePr>
             <p:xfrm>
-              <a:off x="4248805" y="890107"/>
-              <a:ext cx="2683330" cy="1127316"/>
+              <a:off x="5223105" y="1671103"/>
+              <a:ext cx="2683330" cy="1116267"/>
             </p:xfrm>
             <a:graphic>
               <a:graphicData uri="http://schemas.openxmlformats.org/drawingml/2006/table">
@@ -4399,6 +4412,7 @@
                         <a:bodyPr/>
                         <a:lstStyle/>
                         <a:p>
+                          <a:pPr/>
                           <a14:m>
                             <m:oMathPara xmlns:m="http://schemas.openxmlformats.org/officeDocument/2006/math">
                               <m:oMathParaPr>
@@ -4409,7 +4423,7 @@
                                   <m:sSubSupPr>
                                     <m:ctrlPr>
                                       <a:rPr lang="en-US" i="1" baseline="0" smtClean="0">
-                                        <a:latin typeface="+mj-lt"/>
+                                        <a:latin typeface="Cambria Math" panose="02040503050406030204" pitchFamily="18" charset="0"/>
                                       </a:rPr>
                                     </m:ctrlPr>
                                   </m:sSubSupPr>
@@ -4424,7 +4438,7 @@
                                   <m:sub>
                                     <m:r>
                                       <a:rPr lang="en-US" b="0" i="1" baseline="0" smtClean="0">
-                                        <a:latin typeface="+mj-lt"/>
+                                        <a:latin typeface="Cambria Math" panose="02040503050406030204" pitchFamily="18" charset="0"/>
                                       </a:rPr>
                                       <m:t>1</m:t>
                                     </m:r>
@@ -4432,7 +4446,7 @@
                                   <m:sup>
                                     <m:r>
                                       <a:rPr lang="en-US" b="0" i="1" baseline="0" smtClean="0">
-                                        <a:latin typeface="+mj-lt"/>
+                                        <a:latin typeface="Cambria Math" panose="02040503050406030204" pitchFamily="18" charset="0"/>
                                       </a:rPr>
                                       <m:t>1</m:t>
                                     </m:r>
@@ -4453,6 +4467,7 @@
                         <a:bodyPr/>
                         <a:lstStyle/>
                         <a:p>
+                          <a:pPr/>
                           <a14:m>
                             <m:oMathPara xmlns:m="http://schemas.openxmlformats.org/officeDocument/2006/math">
                               <m:oMathParaPr>
@@ -4531,6 +4546,7 @@
                         <a:bodyPr/>
                         <a:lstStyle/>
                         <a:p>
+                          <a:pPr/>
                           <a14:m>
                             <m:oMathPara xmlns:m="http://schemas.openxmlformats.org/officeDocument/2006/math">
                               <m:oMathParaPr>
@@ -4596,6 +4612,7 @@
                         <a:bodyPr/>
                         <a:lstStyle/>
                         <a:p>
+                          <a:pPr/>
                           <a14:m>
                             <m:oMathPara xmlns:m="http://schemas.openxmlformats.org/officeDocument/2006/math">
                               <m:oMathParaPr>
@@ -4729,6 +4746,7 @@
                         <a:bodyPr/>
                         <a:lstStyle/>
                         <a:p>
+                          <a:pPr/>
                           <a14:m>
                             <m:oMathPara xmlns:m="http://schemas.openxmlformats.org/officeDocument/2006/math">
                               <m:oMathParaPr>
@@ -4783,6 +4801,7 @@
                         <a:bodyPr/>
                         <a:lstStyle/>
                         <a:p>
+                          <a:pPr/>
                           <a14:m>
                             <m:oMathPara xmlns:m="http://schemas.openxmlformats.org/officeDocument/2006/math">
                               <m:oMathParaPr>
@@ -4856,6 +4875,7 @@
                         <a:bodyPr/>
                         <a:lstStyle/>
                         <a:p>
+                          <a:pPr/>
                           <a14:m>
                             <m:oMathPara xmlns:m="http://schemas.openxmlformats.org/officeDocument/2006/math">
                               <m:oMathParaPr>
@@ -4916,6 +4936,7 @@
                         <a:bodyPr/>
                         <a:lstStyle/>
                         <a:p>
+                          <a:pPr/>
                           <a14:m>
                             <m:oMathPara xmlns:m="http://schemas.openxmlformats.org/officeDocument/2006/math">
                               <m:oMathParaPr>
@@ -4991,14 +5012,14 @@
               <p:nvPr>
                 <p:extLst>
                   <p:ext uri="{D42A27DB-BD31-4B8C-83A1-F6EECF244321}">
-                    <p14:modId xmlns:p14="http://schemas.microsoft.com/office/powerpoint/2010/main" val="3935231551"/>
+                    <p14:modId xmlns:p14="http://schemas.microsoft.com/office/powerpoint/2010/main" val="738666353"/>
                   </p:ext>
                 </p:extLst>
               </p:nvPr>
             </p:nvGraphicFramePr>
             <p:xfrm>
-              <a:off x="4248805" y="890107"/>
-              <a:ext cx="2683330" cy="1127316"/>
+              <a:off x="5223105" y="1671103"/>
+              <a:ext cx="2683330" cy="1116267"/>
             </p:xfrm>
             <a:graphic>
               <a:graphicData uri="http://schemas.openxmlformats.org/drawingml/2006/table">
@@ -5043,7 +5064,7 @@
                       </a:extLst>
                     </a:gridCol>
                   </a:tblGrid>
-                  <a:tr h="383413">
+                  <a:tr h="372364">
                     <a:tc>
                       <a:txBody>
                         <a:bodyPr/>
@@ -5056,7 +5077,7 @@
                         <a:blipFill>
                           <a:blip r:embed="rId3"/>
                           <a:stretch>
-                            <a:fillRect t="-7937" r="-402273" b="-217460"/>
+                            <a:fillRect t="-8197" r="-401136" b="-224590"/>
                           </a:stretch>
                         </a:blipFill>
                       </a:tcPr>
@@ -5073,7 +5094,7 @@
                         <a:blipFill>
                           <a:blip r:embed="rId3"/>
                           <a:stretch>
-                            <a:fillRect l="-98876" t="-7937" r="-297753" b="-217460"/>
+                            <a:fillRect l="-100000" t="-8197" r="-301136" b="-224590"/>
                           </a:stretch>
                         </a:blipFill>
                       </a:tcPr>
@@ -5109,7 +5130,7 @@
                         <a:blipFill>
                           <a:blip r:embed="rId3"/>
                           <a:stretch>
-                            <a:fillRect l="-297753" t="-7937" r="-98876" b="-217460"/>
+                            <a:fillRect l="-301136" t="-8197" r="-100000" b="-224590"/>
                           </a:stretch>
                         </a:blipFill>
                       </a:tcPr>
@@ -5126,7 +5147,7 @@
                         <a:blipFill>
                           <a:blip r:embed="rId3"/>
                           <a:stretch>
-                            <a:fillRect l="-402273" t="-7937" b="-217460"/>
+                            <a:fillRect l="-401136" t="-8197" b="-224590"/>
                           </a:stretch>
                         </a:blipFill>
                       </a:tcPr>
@@ -5217,7 +5238,7 @@
                         <a:blipFill>
                           <a:blip r:embed="rId3"/>
                           <a:stretch>
-                            <a:fillRect t="-211475" r="-402273" b="-24590"/>
+                            <a:fillRect t="-209836" r="-401136" b="-22951"/>
                           </a:stretch>
                         </a:blipFill>
                       </a:tcPr>
@@ -5234,7 +5255,7 @@
                         <a:blipFill>
                           <a:blip r:embed="rId3"/>
                           <a:stretch>
-                            <a:fillRect l="-98876" t="-211475" r="-297753" b="-24590"/>
+                            <a:fillRect l="-100000" t="-209836" r="-301136" b="-22951"/>
                           </a:stretch>
                         </a:blipFill>
                       </a:tcPr>
@@ -5270,7 +5291,7 @@
                         <a:blipFill>
                           <a:blip r:embed="rId3"/>
                           <a:stretch>
-                            <a:fillRect l="-297753" t="-211475" r="-98876" b="-24590"/>
+                            <a:fillRect l="-301136" t="-209836" r="-100000" b="-22951"/>
                           </a:stretch>
                         </a:blipFill>
                       </a:tcPr>
@@ -5287,7 +5308,7 @@
                         <a:blipFill>
                           <a:blip r:embed="rId3"/>
                           <a:stretch>
-                            <a:fillRect l="-402273" t="-211475" b="-24590"/>
+                            <a:fillRect l="-401136" t="-209836" b="-22951"/>
                           </a:stretch>
                         </a:blipFill>
                       </a:tcPr>
@@ -5312,7 +5333,7 @@
         </p:nvGrpSpPr>
         <p:grpSpPr>
           <a:xfrm>
-            <a:off x="4242588" y="869705"/>
+            <a:off x="5216888" y="1650701"/>
             <a:ext cx="2689549" cy="1157233"/>
             <a:chOff x="1517782" y="1376597"/>
             <a:chExt cx="2689549" cy="1157233"/>
@@ -5690,14 +5711,14 @@
               <p:nvPr>
                 <p:extLst>
                   <p:ext uri="{D42A27DB-BD31-4B8C-83A1-F6EECF244321}">
-                    <p14:modId xmlns:p14="http://schemas.microsoft.com/office/powerpoint/2010/main" val="2980604015"/>
+                    <p14:modId xmlns:p14="http://schemas.microsoft.com/office/powerpoint/2010/main" val="2599383219"/>
                   </p:ext>
                 </p:extLst>
               </p:nvPr>
             </p:nvGraphicFramePr>
             <p:xfrm>
-              <a:off x="7429093" y="890107"/>
-              <a:ext cx="2683330" cy="1127316"/>
+              <a:off x="9337217" y="1671104"/>
+              <a:ext cx="2683330" cy="1116267"/>
             </p:xfrm>
             <a:graphic>
               <a:graphicData uri="http://schemas.openxmlformats.org/drawingml/2006/table">
@@ -5748,6 +5769,7 @@
                         <a:bodyPr/>
                         <a:lstStyle/>
                         <a:p>
+                          <a:pPr/>
                           <a14:m>
                             <m:oMathPara xmlns:m="http://schemas.openxmlformats.org/officeDocument/2006/math">
                               <m:oMathParaPr>
@@ -5758,7 +5780,7 @@
                                   <m:sSubSupPr>
                                     <m:ctrlPr>
                                       <a:rPr lang="en-US" i="1" baseline="0" smtClean="0">
-                                        <a:latin typeface="+mj-lt"/>
+                                        <a:latin typeface="Cambria Math" panose="02040503050406030204" pitchFamily="18" charset="0"/>
                                       </a:rPr>
                                     </m:ctrlPr>
                                   </m:sSubSupPr>
@@ -5773,7 +5795,7 @@
                                   <m:sub>
                                     <m:r>
                                       <a:rPr lang="en-US" b="0" i="1" baseline="0" smtClean="0">
-                                        <a:latin typeface="+mj-lt"/>
+                                        <a:latin typeface="Cambria Math" panose="02040503050406030204" pitchFamily="18" charset="0"/>
                                       </a:rPr>
                                       <m:t>1</m:t>
                                     </m:r>
@@ -5781,7 +5803,7 @@
                                   <m:sup>
                                     <m:r>
                                       <a:rPr lang="en-US" b="0" i="1" baseline="0" smtClean="0">
-                                        <a:latin typeface="+mj-lt"/>
+                                        <a:latin typeface="Cambria Math" panose="02040503050406030204" pitchFamily="18" charset="0"/>
                                       </a:rPr>
                                       <m:t>1</m:t>
                                     </m:r>
@@ -5802,6 +5824,7 @@
                         <a:bodyPr/>
                         <a:lstStyle/>
                         <a:p>
+                          <a:pPr/>
                           <a14:m>
                             <m:oMathPara xmlns:m="http://schemas.openxmlformats.org/officeDocument/2006/math">
                               <m:oMathParaPr>
@@ -5880,6 +5903,7 @@
                         <a:bodyPr/>
                         <a:lstStyle/>
                         <a:p>
+                          <a:pPr/>
                           <a14:m>
                             <m:oMathPara xmlns:m="http://schemas.openxmlformats.org/officeDocument/2006/math">
                               <m:oMathParaPr>
@@ -5945,6 +5969,7 @@
                         <a:bodyPr/>
                         <a:lstStyle/>
                         <a:p>
+                          <a:pPr/>
                           <a14:m>
                             <m:oMathPara xmlns:m="http://schemas.openxmlformats.org/officeDocument/2006/math">
                               <m:oMathParaPr>
@@ -6073,6 +6098,7 @@
                         <a:bodyPr/>
                         <a:lstStyle/>
                         <a:p>
+                          <a:pPr/>
                           <a14:m>
                             <m:oMathPara xmlns:m="http://schemas.openxmlformats.org/officeDocument/2006/math">
                               <m:oMathParaPr>
@@ -6132,6 +6158,7 @@
                         <a:bodyPr/>
                         <a:lstStyle/>
                         <a:p>
+                          <a:pPr/>
                           <a14:m>
                             <m:oMathPara xmlns:m="http://schemas.openxmlformats.org/officeDocument/2006/math">
                               <m:oMathParaPr>
@@ -6210,6 +6237,7 @@
                         <a:bodyPr/>
                         <a:lstStyle/>
                         <a:p>
+                          <a:pPr/>
                           <a14:m>
                             <m:oMathPara xmlns:m="http://schemas.openxmlformats.org/officeDocument/2006/math">
                               <m:oMathParaPr>
@@ -6270,6 +6298,7 @@
                         <a:bodyPr/>
                         <a:lstStyle/>
                         <a:p>
+                          <a:pPr/>
                           <a14:m>
                             <m:oMathPara xmlns:m="http://schemas.openxmlformats.org/officeDocument/2006/math">
                               <m:oMathParaPr>
@@ -6340,14 +6369,14 @@
               <p:nvPr>
                 <p:extLst>
                   <p:ext uri="{D42A27DB-BD31-4B8C-83A1-F6EECF244321}">
-                    <p14:modId xmlns:p14="http://schemas.microsoft.com/office/powerpoint/2010/main" val="2980604015"/>
+                    <p14:modId xmlns:p14="http://schemas.microsoft.com/office/powerpoint/2010/main" val="2599383219"/>
                   </p:ext>
                 </p:extLst>
               </p:nvPr>
             </p:nvGraphicFramePr>
             <p:xfrm>
-              <a:off x="7429093" y="890107"/>
-              <a:ext cx="2683330" cy="1127316"/>
+              <a:off x="9337217" y="1671104"/>
+              <a:ext cx="2683330" cy="1116267"/>
             </p:xfrm>
             <a:graphic>
               <a:graphicData uri="http://schemas.openxmlformats.org/drawingml/2006/table">
@@ -6392,7 +6421,7 @@
                       </a:extLst>
                     </a:gridCol>
                   </a:tblGrid>
-                  <a:tr h="383413">
+                  <a:tr h="372364">
                     <a:tc>
                       <a:txBody>
                         <a:bodyPr/>
@@ -6405,7 +6434,7 @@
                         <a:blipFill>
                           <a:blip r:embed="rId4"/>
                           <a:stretch>
-                            <a:fillRect t="-7937" r="-401136" b="-217460"/>
+                            <a:fillRect t="-8197" r="-401136" b="-224590"/>
                           </a:stretch>
                         </a:blipFill>
                       </a:tcPr>
@@ -6422,7 +6451,7 @@
                         <a:blipFill>
                           <a:blip r:embed="rId4"/>
                           <a:stretch>
-                            <a:fillRect l="-100000" t="-7937" r="-301136" b="-217460"/>
+                            <a:fillRect l="-100000" t="-8197" r="-301136" b="-224590"/>
                           </a:stretch>
                         </a:blipFill>
                       </a:tcPr>
@@ -6458,7 +6487,7 @@
                         <a:blipFill>
                           <a:blip r:embed="rId4"/>
                           <a:stretch>
-                            <a:fillRect l="-301136" t="-7937" r="-100000" b="-217460"/>
+                            <a:fillRect l="-301136" t="-8197" r="-100000" b="-224590"/>
                           </a:stretch>
                         </a:blipFill>
                       </a:tcPr>
@@ -6475,7 +6504,7 @@
                         <a:blipFill>
                           <a:blip r:embed="rId4"/>
                           <a:stretch>
-                            <a:fillRect l="-401136" t="-7937" b="-217460"/>
+                            <a:fillRect l="-401136" t="-8197" b="-224590"/>
                           </a:stretch>
                         </a:blipFill>
                       </a:tcPr>
@@ -6566,7 +6595,7 @@
                         <a:blipFill>
                           <a:blip r:embed="rId4"/>
                           <a:stretch>
-                            <a:fillRect t="-211475" r="-401136" b="-24590"/>
+                            <a:fillRect t="-209836" r="-401136" b="-22951"/>
                           </a:stretch>
                         </a:blipFill>
                       </a:tcPr>
@@ -6583,7 +6612,7 @@
                         <a:blipFill>
                           <a:blip r:embed="rId4"/>
                           <a:stretch>
-                            <a:fillRect l="-100000" t="-211475" r="-301136" b="-24590"/>
+                            <a:fillRect l="-100000" t="-209836" r="-301136" b="-22951"/>
                           </a:stretch>
                         </a:blipFill>
                       </a:tcPr>
@@ -6619,7 +6648,7 @@
                         <a:blipFill>
                           <a:blip r:embed="rId4"/>
                           <a:stretch>
-                            <a:fillRect l="-301136" t="-211475" r="-100000" b="-24590"/>
+                            <a:fillRect l="-301136" t="-209836" r="-100000" b="-22951"/>
                           </a:stretch>
                         </a:blipFill>
                       </a:tcPr>
@@ -6636,7 +6665,7 @@
                         <a:blipFill>
                           <a:blip r:embed="rId4"/>
                           <a:stretch>
-                            <a:fillRect l="-401136" t="-211475" b="-24590"/>
+                            <a:fillRect l="-401136" t="-209836" b="-22951"/>
                           </a:stretch>
                         </a:blipFill>
                       </a:tcPr>
@@ -6661,7 +6690,7 @@
         </p:nvGrpSpPr>
         <p:grpSpPr>
           <a:xfrm>
-            <a:off x="7422876" y="869705"/>
+            <a:off x="9331000" y="1650702"/>
             <a:ext cx="2689549" cy="1157233"/>
             <a:chOff x="1517782" y="1376597"/>
             <a:chExt cx="2689549" cy="1157233"/>
@@ -7038,7 +7067,7 @@
             </p:nvSpPr>
             <p:spPr>
               <a:xfrm>
-                <a:off x="3649903" y="1250701"/>
+                <a:off x="3798120" y="2019666"/>
                 <a:ext cx="653143" cy="400110"/>
               </a:xfrm>
               <a:prstGeom prst="rect">
@@ -7088,7 +7117,7 @@
             </p:nvSpPr>
             <p:spPr>
               <a:xfrm>
-                <a:off x="3649903" y="1250701"/>
+                <a:off x="3798120" y="2019666"/>
                 <a:ext cx="653143" cy="400110"/>
               </a:xfrm>
               <a:prstGeom prst="rect">
@@ -7126,7 +7155,7 @@
             </p:nvSpPr>
             <p:spPr>
               <a:xfrm>
-                <a:off x="6875518" y="1248266"/>
+                <a:off x="7852250" y="2027509"/>
                 <a:ext cx="653143" cy="400110"/>
               </a:xfrm>
               <a:prstGeom prst="rect">
@@ -7176,7 +7205,7 @@
             </p:nvSpPr>
             <p:spPr>
               <a:xfrm>
-                <a:off x="6875518" y="1248266"/>
+                <a:off x="7852250" y="2027509"/>
                 <a:ext cx="653143" cy="400110"/>
               </a:xfrm>
               <a:prstGeom prst="rect">
@@ -7212,7 +7241,7 @@
         </p:nvSpPr>
         <p:spPr>
           <a:xfrm>
-            <a:off x="1061358" y="2228811"/>
+            <a:off x="1203411" y="2979890"/>
             <a:ext cx="2449286" cy="2308324"/>
           </a:xfrm>
           <a:prstGeom prst="rect">
@@ -7279,7 +7308,7 @@
         </p:nvSpPr>
         <p:spPr>
           <a:xfrm>
-            <a:off x="4407520" y="2198224"/>
+            <a:off x="5381820" y="2979220"/>
             <a:ext cx="2449286" cy="2585323"/>
           </a:xfrm>
           <a:prstGeom prst="rect">
@@ -7357,7 +7386,7 @@
         </p:nvSpPr>
         <p:spPr>
           <a:xfrm>
-            <a:off x="7587808" y="2220905"/>
+            <a:off x="9495932" y="3001902"/>
             <a:ext cx="2449286" cy="2031325"/>
           </a:xfrm>
           <a:prstGeom prst="rect">
@@ -7417,7 +7446,7 @@
         </p:nvSpPr>
         <p:spPr>
           <a:xfrm>
-            <a:off x="1631075" y="514425"/>
+            <a:off x="1773128" y="868175"/>
             <a:ext cx="1234170" cy="461665"/>
           </a:xfrm>
           <a:prstGeom prst="rect">
@@ -7448,7 +7477,7 @@
         </p:nvSpPr>
         <p:spPr>
           <a:xfrm>
-            <a:off x="4983758" y="484508"/>
+            <a:off x="5958058" y="868175"/>
             <a:ext cx="1234170" cy="461665"/>
           </a:xfrm>
           <a:prstGeom prst="rect">
@@ -7479,7 +7508,7 @@
         </p:nvSpPr>
         <p:spPr>
           <a:xfrm>
-            <a:off x="8204226" y="495270"/>
+            <a:off x="10112350" y="878938"/>
             <a:ext cx="1234170" cy="461665"/>
           </a:xfrm>
           <a:prstGeom prst="rect">
@@ -7499,6 +7528,262 @@
               <a:t>E</a:t>
             </a:r>
             <a:endParaRPr lang="en-US" sz="2400" b="1"/>
+          </a:p>
+        </p:txBody>
+      </p:sp>
+      <p:sp>
+        <p:nvSpPr>
+          <p:cNvPr id="2" name="TextBox 1"/>
+          <p:cNvSpPr txBox="1"/>
+          <p:nvPr/>
+        </p:nvSpPr>
+        <p:spPr>
+          <a:xfrm>
+            <a:off x="4147148" y="1914374"/>
+            <a:ext cx="1166102" cy="584775"/>
+          </a:xfrm>
+          <a:prstGeom prst="rect">
+            <a:avLst/>
+          </a:prstGeom>
+          <a:noFill/>
+        </p:spPr>
+        <p:txBody>
+          <a:bodyPr wrap="square" rtlCol="0">
+            <a:spAutoFit/>
+          </a:bodyPr>
+          <a:lstStyle/>
+          <a:p>
+            <a:pPr algn="ctr"/>
+            <a:r>
+              <a:rPr lang="en-US" sz="1600" b="1" smtClean="0">
+                <a:solidFill>
+                  <a:srgbClr val="C00000"/>
+                </a:solidFill>
+              </a:rPr>
+              <a:t>Mutation </a:t>
+            </a:r>
+          </a:p>
+          <a:p>
+            <a:pPr algn="ctr"/>
+            <a:r>
+              <a:rPr lang="en-US" sz="1600" b="1" smtClean="0">
+                <a:solidFill>
+                  <a:srgbClr val="C00000"/>
+                </a:solidFill>
+              </a:rPr>
+              <a:t>contexts</a:t>
+            </a:r>
+            <a:endParaRPr lang="en-US" sz="1600" b="1">
+              <a:solidFill>
+                <a:srgbClr val="C00000"/>
+              </a:solidFill>
+            </a:endParaRPr>
+          </a:p>
+        </p:txBody>
+      </p:sp>
+      <p:sp>
+        <p:nvSpPr>
+          <p:cNvPr id="66" name="TextBox 65"/>
+          <p:cNvSpPr txBox="1"/>
+          <p:nvPr/>
+        </p:nvSpPr>
+        <p:spPr>
+          <a:xfrm>
+            <a:off x="1248399" y="1329501"/>
+            <a:ext cx="2260640" cy="338554"/>
+          </a:xfrm>
+          <a:prstGeom prst="rect">
+            <a:avLst/>
+          </a:prstGeom>
+          <a:noFill/>
+        </p:spPr>
+        <p:txBody>
+          <a:bodyPr wrap="square" rtlCol="0">
+            <a:spAutoFit/>
+          </a:bodyPr>
+          <a:lstStyle/>
+          <a:p>
+            <a:pPr algn="ctr"/>
+            <a:r>
+              <a:rPr lang="en-US" sz="1600" b="1" smtClean="0">
+                <a:solidFill>
+                  <a:srgbClr val="C00000"/>
+                </a:solidFill>
+              </a:rPr>
+              <a:t>Individual genomes</a:t>
+            </a:r>
+            <a:endParaRPr lang="en-US" sz="1600" b="1">
+              <a:solidFill>
+                <a:srgbClr val="C00000"/>
+              </a:solidFill>
+            </a:endParaRPr>
+          </a:p>
+        </p:txBody>
+      </p:sp>
+      <p:sp>
+        <p:nvSpPr>
+          <p:cNvPr id="67" name="TextBox 66"/>
+          <p:cNvSpPr txBox="1"/>
+          <p:nvPr/>
+        </p:nvSpPr>
+        <p:spPr>
+          <a:xfrm>
+            <a:off x="5459988" y="1344753"/>
+            <a:ext cx="2260640" cy="338554"/>
+          </a:xfrm>
+          <a:prstGeom prst="rect">
+            <a:avLst/>
+          </a:prstGeom>
+          <a:noFill/>
+        </p:spPr>
+        <p:txBody>
+          <a:bodyPr wrap="square" rtlCol="0">
+            <a:spAutoFit/>
+          </a:bodyPr>
+          <a:lstStyle/>
+          <a:p>
+            <a:pPr algn="ctr"/>
+            <a:r>
+              <a:rPr lang="en-US" sz="1600" b="1" smtClean="0">
+                <a:solidFill>
+                  <a:srgbClr val="C00000"/>
+                </a:solidFill>
+              </a:rPr>
+              <a:t>Signatures</a:t>
+            </a:r>
+            <a:endParaRPr lang="en-US" sz="1600" b="1">
+              <a:solidFill>
+                <a:srgbClr val="C00000"/>
+              </a:solidFill>
+            </a:endParaRPr>
+          </a:p>
+        </p:txBody>
+      </p:sp>
+      <p:sp>
+        <p:nvSpPr>
+          <p:cNvPr id="68" name="TextBox 67"/>
+          <p:cNvSpPr txBox="1"/>
+          <p:nvPr/>
+        </p:nvSpPr>
+        <p:spPr>
+          <a:xfrm>
+            <a:off x="-125943" y="1953487"/>
+            <a:ext cx="1166102" cy="584775"/>
+          </a:xfrm>
+          <a:prstGeom prst="rect">
+            <a:avLst/>
+          </a:prstGeom>
+          <a:noFill/>
+        </p:spPr>
+        <p:txBody>
+          <a:bodyPr wrap="square" rtlCol="0">
+            <a:spAutoFit/>
+          </a:bodyPr>
+          <a:lstStyle/>
+          <a:p>
+            <a:pPr algn="ctr"/>
+            <a:r>
+              <a:rPr lang="en-US" sz="1600" b="1" smtClean="0">
+                <a:solidFill>
+                  <a:srgbClr val="C00000"/>
+                </a:solidFill>
+              </a:rPr>
+              <a:t>Mutation </a:t>
+            </a:r>
+          </a:p>
+          <a:p>
+            <a:pPr algn="ctr"/>
+            <a:r>
+              <a:rPr lang="en-US" sz="1600" b="1" smtClean="0">
+                <a:solidFill>
+                  <a:srgbClr val="C00000"/>
+                </a:solidFill>
+              </a:rPr>
+              <a:t>contexts</a:t>
+            </a:r>
+            <a:endParaRPr lang="en-US" sz="1600" b="1">
+              <a:solidFill>
+                <a:srgbClr val="C00000"/>
+              </a:solidFill>
+            </a:endParaRPr>
+          </a:p>
+        </p:txBody>
+      </p:sp>
+      <p:sp>
+        <p:nvSpPr>
+          <p:cNvPr id="69" name="TextBox 68"/>
+          <p:cNvSpPr txBox="1"/>
+          <p:nvPr/>
+        </p:nvSpPr>
+        <p:spPr>
+          <a:xfrm>
+            <a:off x="9599115" y="1342670"/>
+            <a:ext cx="2260640" cy="338554"/>
+          </a:xfrm>
+          <a:prstGeom prst="rect">
+            <a:avLst/>
+          </a:prstGeom>
+          <a:noFill/>
+        </p:spPr>
+        <p:txBody>
+          <a:bodyPr wrap="square" rtlCol="0">
+            <a:spAutoFit/>
+          </a:bodyPr>
+          <a:lstStyle/>
+          <a:p>
+            <a:pPr algn="ctr"/>
+            <a:r>
+              <a:rPr lang="en-US" sz="1600" b="1" smtClean="0">
+                <a:solidFill>
+                  <a:srgbClr val="C00000"/>
+                </a:solidFill>
+              </a:rPr>
+              <a:t>Individual genomes</a:t>
+            </a:r>
+            <a:endParaRPr lang="en-US" sz="1600" b="1">
+              <a:solidFill>
+                <a:srgbClr val="C00000"/>
+              </a:solidFill>
+            </a:endParaRPr>
+          </a:p>
+        </p:txBody>
+      </p:sp>
+      <p:sp>
+        <p:nvSpPr>
+          <p:cNvPr id="71" name="TextBox 70"/>
+          <p:cNvSpPr txBox="1"/>
+          <p:nvPr/>
+        </p:nvSpPr>
+        <p:spPr>
+          <a:xfrm>
+            <a:off x="8193599" y="2058429"/>
+            <a:ext cx="1248967" cy="338554"/>
+          </a:xfrm>
+          <a:prstGeom prst="rect">
+            <a:avLst/>
+          </a:prstGeom>
+          <a:noFill/>
+        </p:spPr>
+        <p:txBody>
+          <a:bodyPr wrap="square" rtlCol="0">
+            <a:spAutoFit/>
+          </a:bodyPr>
+          <a:lstStyle/>
+          <a:p>
+            <a:pPr algn="ctr"/>
+            <a:r>
+              <a:rPr lang="en-US" sz="1600" b="1" smtClean="0">
+                <a:solidFill>
+                  <a:srgbClr val="C00000"/>
+                </a:solidFill>
+              </a:rPr>
+              <a:t>Signatures</a:t>
+            </a:r>
+            <a:endParaRPr lang="en-US" sz="1600" b="1">
+              <a:solidFill>
+                <a:srgbClr val="C00000"/>
+              </a:solidFill>
+            </a:endParaRPr>
           </a:p>
         </p:txBody>
       </p:sp>
